--- a/System Design fundametal concepts/Introduction to Cloud.pptx
+++ b/System Design fundametal concepts/Introduction to Cloud.pptx
@@ -42,6 +42,7 @@
     <p:sldId id="292" r:id="rId36"/>
     <p:sldId id="293" r:id="rId37"/>
     <p:sldId id="294" r:id="rId38"/>
+    <p:sldId id="297" r:id="rId39"/>
   </p:sldIdLst>
   <p:sldSz cx="12192000" cy="6858000"/>
   <p:notesSz cx="6858000" cy="9144000"/>
@@ -6120,6 +6121,60 @@
 </p:sld>
 </file>
 
+<file path=ppt/slides/slide38.xml><?xml version="1.0" encoding="utf-8"?>
+<p:sld xmlns:a="http://schemas.openxmlformats.org/drawingml/2006/main" xmlns:r="http://schemas.openxmlformats.org/officeDocument/2006/relationships" xmlns:p="http://schemas.openxmlformats.org/presentationml/2006/main">
+  <p:cSld>
+    <p:spTree>
+      <p:nvGrpSpPr>
+        <p:cNvPr id="1" name=""/>
+        <p:cNvGrpSpPr/>
+        <p:nvPr/>
+      </p:nvGrpSpPr>
+      <p:grpSpPr>
+        <a:xfrm>
+          <a:off x="0" y="0"/>
+          <a:ext cx="0" cy="0"/>
+          <a:chOff x="0" y="0"/>
+          <a:chExt cx="0" cy="0"/>
+        </a:xfrm>
+      </p:grpSpPr>
+      <p:pic>
+        <p:nvPicPr>
+          <p:cNvPr id="2" name="Picture 1" descr="03-Introduction-to-Microsoft-Azure-Cloud-3-638.jpg"/>
+          <p:cNvPicPr>
+            <a:picLocks noChangeAspect="1"/>
+          </p:cNvPicPr>
+          <p:nvPr/>
+        </p:nvPicPr>
+        <p:blipFill>
+          <a:blip r:embed="rId2"/>
+          <a:stretch>
+            <a:fillRect/>
+          </a:stretch>
+        </p:blipFill>
+        <p:spPr>
+          <a:xfrm>
+            <a:off x="1695236" y="115225"/>
+            <a:ext cx="7859730" cy="5894798"/>
+          </a:xfrm>
+          <a:prstGeom prst="rect">
+            <a:avLst/>
+          </a:prstGeom>
+        </p:spPr>
+      </p:pic>
+    </p:spTree>
+    <p:extLst>
+      <p:ext uri="{BB962C8B-B14F-4D97-AF65-F5344CB8AC3E}">
+        <p14:creationId xmlns:p14="http://schemas.microsoft.com/office/powerpoint/2010/main" val="3375867693"/>
+      </p:ext>
+    </p:extLst>
+  </p:cSld>
+  <p:clrMapOvr>
+    <a:masterClrMapping/>
+  </p:clrMapOvr>
+</p:sld>
+</file>
+
 <file path=ppt/slides/slide4.xml><?xml version="1.0" encoding="utf-8"?>
 <p:sld xmlns:a="http://schemas.openxmlformats.org/drawingml/2006/main" xmlns:r="http://schemas.openxmlformats.org/officeDocument/2006/relationships" xmlns:p="http://schemas.openxmlformats.org/presentationml/2006/main">
   <p:cSld>
